--- a/Diagnostics/local/Figures/Fig1.pptx
+++ b/Diagnostics/local/Figures/Fig1.pptx
@@ -5,12 +5,10 @@
     <p:sldMasterId id="2147483744" r:id="rId1"/>
   </p:sldMasterIdLst>
   <p:notesMasterIdLst>
-    <p:notesMasterId r:id="rId5"/>
+    <p:notesMasterId r:id="rId3"/>
   </p:notesMasterIdLst>
   <p:sldIdLst>
     <p:sldId id="260" r:id="rId2"/>
-    <p:sldId id="259" r:id="rId3"/>
-    <p:sldId id="258" r:id="rId4"/>
   </p:sldIdLst>
   <p:sldSz cx="10058400" cy="5668963"/>
   <p:notesSz cx="6858000" cy="9144000"/>
@@ -199,7 +197,7 @@
           <a:p>
             <a:fld id="{35AC45B3-7EA6-4BE2-93A0-CBD29CB287C0}" type="datetimeFigureOut">
               <a:rPr lang="en-US" smtClean="0"/>
-              <a:t>2/26/23</a:t>
+              <a:t>3/5/2023</a:t>
             </a:fld>
             <a:endParaRPr lang="en-US"/>
           </a:p>
@@ -531,7 +529,7 @@
           <a:p>
             <a:fld id="{F1485F7D-F58D-4255-BEB4-DEDE7B545D19}" type="slidenum">
               <a:rPr lang="en-US" smtClean="0"/>
-              <a:t>4</a:t>
+              <a:t>2</a:t>
             </a:fld>
             <a:endParaRPr lang="en-US"/>
           </a:p>
@@ -540,7 +538,7 @@
     </p:spTree>
     <p:extLst>
       <p:ext uri="{BB962C8B-B14F-4D97-AF65-F5344CB8AC3E}">
-        <p14:creationId xmlns:p14="http://schemas.microsoft.com/office/powerpoint/2010/main" val="1471345863"/>
+        <p14:creationId xmlns:p14="http://schemas.microsoft.com/office/powerpoint/2010/main" val="3745463388"/>
       </p:ext>
     </p:extLst>
   </p:cSld>
@@ -681,7 +679,7 @@
           <a:p>
             <a:fld id="{7605E09F-1329-4994-8266-187CDE3C8E3F}" type="datetimeFigureOut">
               <a:rPr lang="en-US" smtClean="0"/>
-              <a:t>2/26/23</a:t>
+              <a:t>3/5/2023</a:t>
             </a:fld>
             <a:endParaRPr lang="en-US"/>
           </a:p>
@@ -851,7 +849,7 @@
           <a:p>
             <a:fld id="{7605E09F-1329-4994-8266-187CDE3C8E3F}" type="datetimeFigureOut">
               <a:rPr lang="en-US" smtClean="0"/>
-              <a:t>2/26/23</a:t>
+              <a:t>3/5/2023</a:t>
             </a:fld>
             <a:endParaRPr lang="en-US"/>
           </a:p>
@@ -1031,7 +1029,7 @@
           <a:p>
             <a:fld id="{7605E09F-1329-4994-8266-187CDE3C8E3F}" type="datetimeFigureOut">
               <a:rPr lang="en-US" smtClean="0"/>
-              <a:t>2/26/23</a:t>
+              <a:t>3/5/2023</a:t>
             </a:fld>
             <a:endParaRPr lang="en-US"/>
           </a:p>
@@ -1201,7 +1199,7 @@
           <a:p>
             <a:fld id="{7605E09F-1329-4994-8266-187CDE3C8E3F}" type="datetimeFigureOut">
               <a:rPr lang="en-US" smtClean="0"/>
-              <a:t>2/26/23</a:t>
+              <a:t>3/5/2023</a:t>
             </a:fld>
             <a:endParaRPr lang="en-US"/>
           </a:p>
@@ -1447,7 +1445,7 @@
           <a:p>
             <a:fld id="{7605E09F-1329-4994-8266-187CDE3C8E3F}" type="datetimeFigureOut">
               <a:rPr lang="en-US" smtClean="0"/>
-              <a:t>2/26/23</a:t>
+              <a:t>3/5/2023</a:t>
             </a:fld>
             <a:endParaRPr lang="en-US"/>
           </a:p>
@@ -1679,7 +1677,7 @@
           <a:p>
             <a:fld id="{7605E09F-1329-4994-8266-187CDE3C8E3F}" type="datetimeFigureOut">
               <a:rPr lang="en-US" smtClean="0"/>
-              <a:t>2/26/23</a:t>
+              <a:t>3/5/2023</a:t>
             </a:fld>
             <a:endParaRPr lang="en-US"/>
           </a:p>
@@ -2046,7 +2044,7 @@
           <a:p>
             <a:fld id="{7605E09F-1329-4994-8266-187CDE3C8E3F}" type="datetimeFigureOut">
               <a:rPr lang="en-US" smtClean="0"/>
-              <a:t>2/26/23</a:t>
+              <a:t>3/5/2023</a:t>
             </a:fld>
             <a:endParaRPr lang="en-US"/>
           </a:p>
@@ -2164,7 +2162,7 @@
           <a:p>
             <a:fld id="{7605E09F-1329-4994-8266-187CDE3C8E3F}" type="datetimeFigureOut">
               <a:rPr lang="en-US" smtClean="0"/>
-              <a:t>2/26/23</a:t>
+              <a:t>3/5/2023</a:t>
             </a:fld>
             <a:endParaRPr lang="en-US"/>
           </a:p>
@@ -2259,7 +2257,7 @@
           <a:p>
             <a:fld id="{7605E09F-1329-4994-8266-187CDE3C8E3F}" type="datetimeFigureOut">
               <a:rPr lang="en-US" smtClean="0"/>
-              <a:t>2/26/23</a:t>
+              <a:t>3/5/2023</a:t>
             </a:fld>
             <a:endParaRPr lang="en-US"/>
           </a:p>
@@ -2536,7 +2534,7 @@
           <a:p>
             <a:fld id="{7605E09F-1329-4994-8266-187CDE3C8E3F}" type="datetimeFigureOut">
               <a:rPr lang="en-US" smtClean="0"/>
-              <a:t>2/26/23</a:t>
+              <a:t>3/5/2023</a:t>
             </a:fld>
             <a:endParaRPr lang="en-US"/>
           </a:p>
@@ -2793,7 +2791,7 @@
           <a:p>
             <a:fld id="{7605E09F-1329-4994-8266-187CDE3C8E3F}" type="datetimeFigureOut">
               <a:rPr lang="en-US" smtClean="0"/>
-              <a:t>2/26/23</a:t>
+              <a:t>3/5/2023</a:t>
             </a:fld>
             <a:endParaRPr lang="en-US"/>
           </a:p>
@@ -3006,7 +3004,7 @@
           <a:p>
             <a:fld id="{7605E09F-1329-4994-8266-187CDE3C8E3F}" type="datetimeFigureOut">
               <a:rPr lang="en-US" smtClean="0"/>
-              <a:t>2/26/23</a:t>
+              <a:t>3/5/2023</a:t>
             </a:fld>
             <a:endParaRPr lang="en-US"/>
           </a:p>
@@ -3413,10 +3411,10 @@
       </p:grpSpPr>
       <p:pic>
         <p:nvPicPr>
-          <p:cNvPr id="11" name="Picture 10" descr="Chart, line chart&#10;&#10;Description automatically generated">
+          <p:cNvPr id="3" name="Picture 2">
             <a:extLst>
               <a:ext uri="{FF2B5EF4-FFF2-40B4-BE49-F238E27FC236}">
-                <a16:creationId xmlns:a16="http://schemas.microsoft.com/office/drawing/2014/main" id="{9CA7901A-0171-C962-4821-C143D88A0162}"/>
+                <a16:creationId xmlns:a16="http://schemas.microsoft.com/office/drawing/2014/main" id="{7CF95D62-893F-4599-9A94-CFFD1429CC28}"/>
               </a:ext>
             </a:extLst>
           </p:cNvPr>
@@ -3426,20 +3424,20 @@
           <p:nvPr/>
         </p:nvPicPr>
         <p:blipFill rotWithShape="1">
-          <a:blip r:embed="rId2">
+          <a:blip r:embed="rId3">
             <a:extLst>
               <a:ext uri="{28A0092B-C50C-407E-A947-70E740481C1C}">
                 <a14:useLocalDpi xmlns:a14="http://schemas.microsoft.com/office/drawing/2010/main" val="0"/>
               </a:ext>
             </a:extLst>
           </a:blip>
-          <a:srcRect l="9139" t="6912" r="1841" b="3445"/>
+          <a:srcRect l="9439" t="6504" r="1972" b="2830"/>
           <a:stretch/>
         </p:blipFill>
         <p:spPr>
           <a:xfrm>
-            <a:off x="-1" y="45560"/>
-            <a:ext cx="9526213" cy="5623403"/>
+            <a:off x="0" y="0"/>
+            <a:ext cx="9461090" cy="5676133"/>
           </a:xfrm>
           <a:prstGeom prst="rect">
             <a:avLst/>
@@ -3461,7 +3459,7 @@
           <p:nvPr/>
         </p:nvPicPr>
         <p:blipFill rotWithShape="1">
-          <a:blip r:embed="rId3">
+          <a:blip r:embed="rId4">
             <a:extLst>
               <a:ext uri="{28A0092B-C50C-407E-A947-70E740481C1C}">
                 <a14:useLocalDpi xmlns:a14="http://schemas.microsoft.com/office/drawing/2010/main" val="0"/>
@@ -3497,8 +3495,8 @@
             </p:nvSpPr>
             <p:spPr>
               <a:xfrm>
-                <a:off x="2773740" y="4077385"/>
-                <a:ext cx="2868542" cy="812723"/>
+                <a:off x="2669385" y="4084759"/>
+                <a:ext cx="2680990" cy="812723"/>
               </a:xfrm>
               <a:prstGeom prst="rect">
                 <a:avLst/>
@@ -3572,7 +3570,7 @@
                         <a:rPr lang="en-US" sz="2400" b="1" i="1" smtClean="0">
                           <a:latin typeface="Cambria Math" panose="02040503050406030204" pitchFamily="18" charset="0"/>
                         </a:rPr>
-                        <m:t>=</m:t>
+                        <m:t>≈</m:t>
                       </m:r>
                       <m:r>
                         <a:rPr lang="en-US" sz="2400" b="1" i="1" smtClean="0">
@@ -3590,7 +3588,7 @@
                         <a:rPr lang="en-US" sz="2400" b="1" i="1" smtClean="0">
                           <a:latin typeface="Cambria Math" panose="02040503050406030204" pitchFamily="18" charset="0"/>
                         </a:rPr>
-                        <m:t>𝟑𝟓</m:t>
+                        <m:t>𝟑</m:t>
                       </m:r>
                       <m:f>
                         <m:fPr>
@@ -3730,16 +3728,16 @@
             </p:nvSpPr>
             <p:spPr>
               <a:xfrm>
-                <a:off x="2773740" y="4077385"/>
-                <a:ext cx="2868542" cy="812723"/>
+                <a:off x="2669385" y="4084759"/>
+                <a:ext cx="2680990" cy="812723"/>
               </a:xfrm>
               <a:prstGeom prst="rect">
                 <a:avLst/>
               </a:prstGeom>
               <a:blipFill>
-                <a:blip r:embed="rId4"/>
+                <a:blip r:embed="rId5"/>
                 <a:stretch>
-                  <a:fillRect l="-2203" t="-1563" b="-6250"/>
+                  <a:fillRect/>
                 </a:stretch>
               </a:blipFill>
             </p:spPr>
@@ -3774,8 +3772,8 @@
             </p:nvSpPr>
             <p:spPr>
               <a:xfrm>
-                <a:off x="5106288" y="3027745"/>
-                <a:ext cx="2684196" cy="812723"/>
+                <a:off x="5109493" y="3009064"/>
+                <a:ext cx="2680990" cy="812723"/>
               </a:xfrm>
               <a:prstGeom prst="rect">
                 <a:avLst/>
@@ -3849,7 +3847,7 @@
                         <a:rPr lang="en-US" sz="2400" b="1" i="1" smtClean="0">
                           <a:latin typeface="Cambria Math" panose="02040503050406030204" pitchFamily="18" charset="0"/>
                         </a:rPr>
-                        <m:t>=</m:t>
+                        <m:t>≈</m:t>
                       </m:r>
                       <m:r>
                         <a:rPr lang="en-US" sz="2400" b="1" i="1" smtClean="0">
@@ -3864,10 +3862,10 @@
                         <m:t>.</m:t>
                       </m:r>
                       <m:r>
-                        <a:rPr lang="en-US" altLang="zh-CN" sz="2400" b="1" i="1" smtClean="0">
+                        <a:rPr lang="en-US" sz="2400" b="1" i="1" smtClean="0">
                           <a:latin typeface="Cambria Math" panose="02040503050406030204" pitchFamily="18" charset="0"/>
                         </a:rPr>
-                        <m:t>𝟗</m:t>
+                        <m:t>𝟖</m:t>
                       </m:r>
                       <m:f>
                         <m:fPr>
@@ -4007,16 +4005,16 @@
             </p:nvSpPr>
             <p:spPr>
               <a:xfrm>
-                <a:off x="5106288" y="3027745"/>
-                <a:ext cx="2684196" cy="812723"/>
+                <a:off x="5109493" y="3009064"/>
+                <a:ext cx="2680990" cy="812723"/>
               </a:xfrm>
               <a:prstGeom prst="rect">
                 <a:avLst/>
               </a:prstGeom>
               <a:blipFill>
-                <a:blip r:embed="rId5"/>
+                <a:blip r:embed="rId6"/>
                 <a:stretch>
-                  <a:fillRect l="-2830" b="-6154"/>
+                  <a:fillRect/>
                 </a:stretch>
               </a:blipFill>
             </p:spPr>
@@ -4049,7 +4047,7 @@
         </p:nvSpPr>
         <p:spPr>
           <a:xfrm>
-            <a:off x="1041433" y="298032"/>
+            <a:off x="997189" y="239040"/>
             <a:ext cx="324128" cy="523220"/>
           </a:xfrm>
           <a:prstGeom prst="rect">
@@ -4087,7 +4085,7 @@
         </p:nvSpPr>
         <p:spPr>
           <a:xfrm>
-            <a:off x="1858426" y="298032"/>
+            <a:off x="1814182" y="239040"/>
             <a:ext cx="463588" cy="523220"/>
           </a:xfrm>
           <a:prstGeom prst="rect">
@@ -4125,7 +4123,7 @@
         </p:nvSpPr>
         <p:spPr>
           <a:xfrm>
-            <a:off x="3101289" y="298032"/>
+            <a:off x="2998053" y="239040"/>
             <a:ext cx="603050" cy="523220"/>
           </a:xfrm>
           <a:prstGeom prst="rect">
@@ -4163,7 +4161,7 @@
         </p:nvSpPr>
         <p:spPr>
           <a:xfrm>
-            <a:off x="5350375" y="298032"/>
+            <a:off x="5409367" y="239040"/>
             <a:ext cx="583814" cy="523220"/>
           </a:xfrm>
           <a:prstGeom prst="rect">
@@ -4201,7 +4199,7 @@
         </p:nvSpPr>
         <p:spPr>
           <a:xfrm>
-            <a:off x="7669917" y="298032"/>
+            <a:off x="7876398" y="239040"/>
             <a:ext cx="444352" cy="523220"/>
           </a:xfrm>
           <a:prstGeom prst="rect">
@@ -4314,1033 +4312,6 @@
     <p:extLst>
       <p:ext uri="{BB962C8B-B14F-4D97-AF65-F5344CB8AC3E}">
         <p14:creationId xmlns:p14="http://schemas.microsoft.com/office/powerpoint/2010/main" val="4062057623"/>
-      </p:ext>
-    </p:extLst>
-  </p:cSld>
-  <p:clrMapOvr>
-    <a:masterClrMapping/>
-  </p:clrMapOvr>
-</p:sld>
-</file>
-
-<file path=ppt/slides/slide2.xml><?xml version="1.0" encoding="utf-8"?>
-<p:sld xmlns:a="http://schemas.openxmlformats.org/drawingml/2006/main" xmlns:r="http://schemas.openxmlformats.org/officeDocument/2006/relationships" xmlns:p="http://schemas.openxmlformats.org/presentationml/2006/main">
-  <p:cSld>
-    <p:spTree>
-      <p:nvGrpSpPr>
-        <p:cNvPr id="1" name=""/>
-        <p:cNvGrpSpPr/>
-        <p:nvPr/>
-      </p:nvGrpSpPr>
-      <p:grpSpPr>
-        <a:xfrm>
-          <a:off x="0" y="0"/>
-          <a:ext cx="0" cy="0"/>
-          <a:chOff x="0" y="0"/>
-          <a:chExt cx="0" cy="0"/>
-        </a:xfrm>
-      </p:grpSpPr>
-      <p:pic>
-        <p:nvPicPr>
-          <p:cNvPr id="5" name="Picture 4" descr="Chart, line chart&#10;&#10;Description automatically generated">
-            <a:extLst>
-              <a:ext uri="{FF2B5EF4-FFF2-40B4-BE49-F238E27FC236}">
-                <a16:creationId xmlns:a16="http://schemas.microsoft.com/office/drawing/2014/main" id="{3374427F-A72E-D0C5-F402-4709098FBAC2}"/>
-              </a:ext>
-            </a:extLst>
-          </p:cNvPr>
-          <p:cNvPicPr>
-            <a:picLocks noChangeAspect="1"/>
-          </p:cNvPicPr>
-          <p:nvPr/>
-        </p:nvPicPr>
-        <p:blipFill rotWithShape="1">
-          <a:blip r:embed="rId2">
-            <a:extLst>
-              <a:ext uri="{28A0092B-C50C-407E-A947-70E740481C1C}">
-                <a14:useLocalDpi xmlns:a14="http://schemas.microsoft.com/office/drawing/2010/main" val="0"/>
-              </a:ext>
-            </a:extLst>
-          </a:blip>
-          <a:srcRect l="8889" t="6078" r="2092" b="2183"/>
-          <a:stretch/>
-        </p:blipFill>
-        <p:spPr>
-          <a:xfrm>
-            <a:off x="-1" y="0"/>
-            <a:ext cx="9549309" cy="5090160"/>
-          </a:xfrm>
-          <a:prstGeom prst="rect">
-            <a:avLst/>
-          </a:prstGeom>
-        </p:spPr>
-      </p:pic>
-      <p:pic>
-        <p:nvPicPr>
-          <p:cNvPr id="6" name="Picture 5">
-            <a:extLst>
-              <a:ext uri="{FF2B5EF4-FFF2-40B4-BE49-F238E27FC236}">
-                <a16:creationId xmlns:a16="http://schemas.microsoft.com/office/drawing/2014/main" id="{C992BFAC-5442-42C3-E835-D0B61642C48A}"/>
-              </a:ext>
-            </a:extLst>
-          </p:cNvPr>
-          <p:cNvPicPr>
-            <a:picLocks noChangeAspect="1"/>
-          </p:cNvPicPr>
-          <p:nvPr/>
-        </p:nvPicPr>
-        <p:blipFill rotWithShape="1">
-          <a:blip r:embed="rId3">
-            <a:extLst>
-              <a:ext uri="{28A0092B-C50C-407E-A947-70E740481C1C}">
-                <a14:useLocalDpi xmlns:a14="http://schemas.microsoft.com/office/drawing/2010/main" val="0"/>
-              </a:ext>
-            </a:extLst>
-          </a:blip>
-          <a:srcRect l="1801" t="22068" r="92956" b="28241"/>
-          <a:stretch/>
-        </p:blipFill>
-        <p:spPr>
-          <a:xfrm>
-            <a:off x="9563076" y="802761"/>
-            <a:ext cx="495324" cy="3264464"/>
-          </a:xfrm>
-          <a:prstGeom prst="rect">
-            <a:avLst/>
-          </a:prstGeom>
-        </p:spPr>
-      </p:pic>
-    </p:spTree>
-    <p:extLst>
-      <p:ext uri="{BB962C8B-B14F-4D97-AF65-F5344CB8AC3E}">
-        <p14:creationId xmlns:p14="http://schemas.microsoft.com/office/powerpoint/2010/main" val="2571889862"/>
-      </p:ext>
-    </p:extLst>
-  </p:cSld>
-  <p:clrMapOvr>
-    <a:masterClrMapping/>
-  </p:clrMapOvr>
-</p:sld>
-</file>
-
-<file path=ppt/slides/slide3.xml><?xml version="1.0" encoding="utf-8"?>
-<p:sld xmlns:a="http://schemas.openxmlformats.org/drawingml/2006/main" xmlns:r="http://schemas.openxmlformats.org/officeDocument/2006/relationships" xmlns:p="http://schemas.openxmlformats.org/presentationml/2006/main">
-  <p:cSld>
-    <p:spTree>
-      <p:nvGrpSpPr>
-        <p:cNvPr id="1" name=""/>
-        <p:cNvGrpSpPr/>
-        <p:nvPr/>
-      </p:nvGrpSpPr>
-      <p:grpSpPr>
-        <a:xfrm>
-          <a:off x="0" y="0"/>
-          <a:ext cx="0" cy="0"/>
-          <a:chOff x="0" y="0"/>
-          <a:chExt cx="0" cy="0"/>
-        </a:xfrm>
-      </p:grpSpPr>
-      <p:pic>
-        <p:nvPicPr>
-          <p:cNvPr id="20" name="Picture 19">
-            <a:extLst>
-              <a:ext uri="{FF2B5EF4-FFF2-40B4-BE49-F238E27FC236}">
-                <a16:creationId xmlns:a16="http://schemas.microsoft.com/office/drawing/2014/main" id="{79FD8305-75CB-4C68-84F6-1AA5FE9360D3}"/>
-              </a:ext>
-            </a:extLst>
-          </p:cNvPr>
-          <p:cNvPicPr>
-            <a:picLocks noChangeAspect="1"/>
-          </p:cNvPicPr>
-          <p:nvPr/>
-        </p:nvPicPr>
-        <p:blipFill rotWithShape="1">
-          <a:blip r:embed="rId3">
-            <a:extLst>
-              <a:ext uri="{28A0092B-C50C-407E-A947-70E740481C1C}">
-                <a14:useLocalDpi xmlns:a14="http://schemas.microsoft.com/office/drawing/2010/main" val="0"/>
-              </a:ext>
-            </a:extLst>
-          </a:blip>
-          <a:srcRect l="1801" t="22068" r="92956" b="28241"/>
-          <a:stretch/>
-        </p:blipFill>
-        <p:spPr>
-          <a:xfrm>
-            <a:off x="9563076" y="802761"/>
-            <a:ext cx="495324" cy="3264464"/>
-          </a:xfrm>
-          <a:prstGeom prst="rect">
-            <a:avLst/>
-          </a:prstGeom>
-        </p:spPr>
-      </p:pic>
-      <p:pic>
-        <p:nvPicPr>
-          <p:cNvPr id="4" name="Picture 3" descr="Chart, line chart&#10;&#10;Description automatically generated">
-            <a:extLst>
-              <a:ext uri="{FF2B5EF4-FFF2-40B4-BE49-F238E27FC236}">
-                <a16:creationId xmlns:a16="http://schemas.microsoft.com/office/drawing/2014/main" id="{1CFC72B1-51DF-2988-9D2B-3BADBCD9514C}"/>
-              </a:ext>
-            </a:extLst>
-          </p:cNvPr>
-          <p:cNvPicPr>
-            <a:picLocks noChangeAspect="1"/>
-          </p:cNvPicPr>
-          <p:nvPr/>
-        </p:nvPicPr>
-        <p:blipFill rotWithShape="1">
-          <a:blip r:embed="rId4">
-            <a:extLst>
-              <a:ext uri="{28A0092B-C50C-407E-A947-70E740481C1C}">
-                <a14:useLocalDpi xmlns:a14="http://schemas.microsoft.com/office/drawing/2010/main" val="0"/>
-              </a:ext>
-            </a:extLst>
-          </a:blip>
-          <a:srcRect l="9641" t="5826" r="2092" b="979"/>
-          <a:stretch/>
-        </p:blipFill>
-        <p:spPr>
-          <a:xfrm>
-            <a:off x="1" y="39209"/>
-            <a:ext cx="9563075" cy="5629753"/>
-          </a:xfrm>
-          <a:prstGeom prst="rect">
-            <a:avLst/>
-          </a:prstGeom>
-        </p:spPr>
-      </p:pic>
-      <p:sp>
-        <p:nvSpPr>
-          <p:cNvPr id="7" name="TextBox 6">
-            <a:extLst>
-              <a:ext uri="{FF2B5EF4-FFF2-40B4-BE49-F238E27FC236}">
-                <a16:creationId xmlns:a16="http://schemas.microsoft.com/office/drawing/2014/main" id="{113D6BCB-CDB9-438C-A5E4-6CF081BE11A2}"/>
-              </a:ext>
-            </a:extLst>
-          </p:cNvPr>
-          <p:cNvSpPr txBox="1"/>
-          <p:nvPr/>
-        </p:nvSpPr>
-        <p:spPr>
-          <a:xfrm>
-            <a:off x="1220784" y="279541"/>
-            <a:ext cx="324128" cy="523220"/>
-          </a:xfrm>
-          <a:prstGeom prst="rect">
-            <a:avLst/>
-          </a:prstGeom>
-          <a:noFill/>
-        </p:spPr>
-        <p:txBody>
-          <a:bodyPr wrap="none" rtlCol="0">
-            <a:spAutoFit/>
-          </a:bodyPr>
-          <a:lstStyle/>
-          <a:p>
-            <a:r>
-              <a:rPr lang="en-US" sz="2800" b="1" dirty="0">
-                <a:latin typeface="Times New Roman" panose="02020603050405020304" pitchFamily="18" charset="0"/>
-                <a:cs typeface="Times New Roman" panose="02020603050405020304" pitchFamily="18" charset="0"/>
-              </a:rPr>
-              <a:t>I</a:t>
-            </a:r>
-          </a:p>
-        </p:txBody>
-      </p:sp>
-      <p:sp>
-        <p:nvSpPr>
-          <p:cNvPr id="8" name="TextBox 7">
-            <a:extLst>
-              <a:ext uri="{FF2B5EF4-FFF2-40B4-BE49-F238E27FC236}">
-                <a16:creationId xmlns:a16="http://schemas.microsoft.com/office/drawing/2014/main" id="{523A8EBB-84BF-4F2E-A03E-446BA0DFC041}"/>
-              </a:ext>
-            </a:extLst>
-          </p:cNvPr>
-          <p:cNvSpPr txBox="1"/>
-          <p:nvPr/>
-        </p:nvSpPr>
-        <p:spPr>
-          <a:xfrm>
-            <a:off x="2344674" y="279541"/>
-            <a:ext cx="463588" cy="523220"/>
-          </a:xfrm>
-          <a:prstGeom prst="rect">
-            <a:avLst/>
-          </a:prstGeom>
-          <a:noFill/>
-        </p:spPr>
-        <p:txBody>
-          <a:bodyPr wrap="none" rtlCol="0">
-            <a:spAutoFit/>
-          </a:bodyPr>
-          <a:lstStyle/>
-          <a:p>
-            <a:r>
-              <a:rPr lang="en-US" sz="2800" b="1" dirty="0">
-                <a:latin typeface="Times New Roman" panose="02020603050405020304" pitchFamily="18" charset="0"/>
-                <a:cs typeface="Times New Roman" panose="02020603050405020304" pitchFamily="18" charset="0"/>
-              </a:rPr>
-              <a:t>II</a:t>
-            </a:r>
-          </a:p>
-        </p:txBody>
-      </p:sp>
-      <p:sp>
-        <p:nvSpPr>
-          <p:cNvPr id="9" name="TextBox 8">
-            <a:extLst>
-              <a:ext uri="{FF2B5EF4-FFF2-40B4-BE49-F238E27FC236}">
-                <a16:creationId xmlns:a16="http://schemas.microsoft.com/office/drawing/2014/main" id="{76A5E600-B033-42ED-8EC4-B3D90FD721C1}"/>
-              </a:ext>
-            </a:extLst>
-          </p:cNvPr>
-          <p:cNvSpPr txBox="1"/>
-          <p:nvPr/>
-        </p:nvSpPr>
-        <p:spPr>
-          <a:xfrm>
-            <a:off x="3458079" y="298032"/>
-            <a:ext cx="603050" cy="523220"/>
-          </a:xfrm>
-          <a:prstGeom prst="rect">
-            <a:avLst/>
-          </a:prstGeom>
-          <a:noFill/>
-        </p:spPr>
-        <p:txBody>
-          <a:bodyPr wrap="none" rtlCol="0">
-            <a:spAutoFit/>
-          </a:bodyPr>
-          <a:lstStyle/>
-          <a:p>
-            <a:r>
-              <a:rPr lang="en-US" sz="2800" b="1" dirty="0">
-                <a:latin typeface="Times New Roman" panose="02020603050405020304" pitchFamily="18" charset="0"/>
-                <a:cs typeface="Times New Roman" panose="02020603050405020304" pitchFamily="18" charset="0"/>
-              </a:rPr>
-              <a:t>III</a:t>
-            </a:r>
-          </a:p>
-        </p:txBody>
-      </p:sp>
-      <p:sp>
-        <p:nvSpPr>
-          <p:cNvPr id="10" name="TextBox 9">
-            <a:extLst>
-              <a:ext uri="{FF2B5EF4-FFF2-40B4-BE49-F238E27FC236}">
-                <a16:creationId xmlns:a16="http://schemas.microsoft.com/office/drawing/2014/main" id="{512417DE-0B30-48DD-82B1-74722A0D578F}"/>
-              </a:ext>
-            </a:extLst>
-          </p:cNvPr>
-          <p:cNvSpPr txBox="1"/>
-          <p:nvPr/>
-        </p:nvSpPr>
-        <p:spPr>
-          <a:xfrm>
-            <a:off x="4990631" y="298032"/>
-            <a:ext cx="583814" cy="523220"/>
-          </a:xfrm>
-          <a:prstGeom prst="rect">
-            <a:avLst/>
-          </a:prstGeom>
-          <a:noFill/>
-        </p:spPr>
-        <p:txBody>
-          <a:bodyPr wrap="none" rtlCol="0">
-            <a:spAutoFit/>
-          </a:bodyPr>
-          <a:lstStyle/>
-          <a:p>
-            <a:r>
-              <a:rPr lang="en-US" sz="2800" b="1" dirty="0">
-                <a:latin typeface="Times New Roman" panose="02020603050405020304" pitchFamily="18" charset="0"/>
-                <a:cs typeface="Times New Roman" panose="02020603050405020304" pitchFamily="18" charset="0"/>
-              </a:rPr>
-              <a:t>IV</a:t>
-            </a:r>
-          </a:p>
-        </p:txBody>
-      </p:sp>
-      <p:sp>
-        <p:nvSpPr>
-          <p:cNvPr id="11" name="TextBox 10">
-            <a:extLst>
-              <a:ext uri="{FF2B5EF4-FFF2-40B4-BE49-F238E27FC236}">
-                <a16:creationId xmlns:a16="http://schemas.microsoft.com/office/drawing/2014/main" id="{97D2CC06-DEC0-4127-AC31-83D3EEBE6396}"/>
-              </a:ext>
-            </a:extLst>
-          </p:cNvPr>
-          <p:cNvSpPr txBox="1"/>
-          <p:nvPr/>
-        </p:nvSpPr>
-        <p:spPr>
-          <a:xfrm>
-            <a:off x="7250139" y="301416"/>
-            <a:ext cx="444352" cy="523220"/>
-          </a:xfrm>
-          <a:prstGeom prst="rect">
-            <a:avLst/>
-          </a:prstGeom>
-          <a:noFill/>
-        </p:spPr>
-        <p:txBody>
-          <a:bodyPr wrap="none" rtlCol="0">
-            <a:spAutoFit/>
-          </a:bodyPr>
-          <a:lstStyle/>
-          <a:p>
-            <a:r>
-              <a:rPr lang="en-US" sz="2800" b="1" dirty="0">
-                <a:latin typeface="Times New Roman" panose="02020603050405020304" pitchFamily="18" charset="0"/>
-                <a:cs typeface="Times New Roman" panose="02020603050405020304" pitchFamily="18" charset="0"/>
-              </a:rPr>
-              <a:t>V</a:t>
-            </a:r>
-          </a:p>
-        </p:txBody>
-      </p:sp>
-      <mc:AlternateContent xmlns:mc="http://schemas.openxmlformats.org/markup-compatibility/2006">
-        <mc:Choice xmlns:a14="http://schemas.microsoft.com/office/drawing/2010/main" Requires="a14">
-          <p:sp>
-            <p:nvSpPr>
-              <p:cNvPr id="12" name="TextBox 11">
-                <a:extLst>
-                  <a:ext uri="{FF2B5EF4-FFF2-40B4-BE49-F238E27FC236}">
-                    <a16:creationId xmlns:a16="http://schemas.microsoft.com/office/drawing/2014/main" id="{6A737122-90E0-4C45-9F2E-DC93A04B2E88}"/>
-                  </a:ext>
-                </a:extLst>
-              </p:cNvPr>
-              <p:cNvSpPr txBox="1"/>
-              <p:nvPr/>
-            </p:nvSpPr>
-            <p:spPr>
-              <a:xfrm>
-                <a:off x="3190300" y="3906105"/>
-                <a:ext cx="2368982" cy="634148"/>
-              </a:xfrm>
-              <a:prstGeom prst="rect">
-                <a:avLst/>
-              </a:prstGeom>
-              <a:noFill/>
-            </p:spPr>
-            <p:txBody>
-              <a:bodyPr wrap="none" lIns="0" tIns="0" rIns="0" bIns="0" rtlCol="0">
-                <a:spAutoFit/>
-              </a:bodyPr>
-              <a:lstStyle/>
-              <a:p>
-                <a:pPr/>
-                <a14:m>
-                  <m:oMath xmlns:m="http://schemas.openxmlformats.org/officeDocument/2006/math">
-                    <m:f>
-                      <m:fPr>
-                        <m:ctrlPr>
-                          <a:rPr lang="en-US" sz="2400" b="1" i="1" smtClean="0">
-                            <a:latin typeface="Cambria Math" panose="02040503050406030204" pitchFamily="18" charset="0"/>
-                          </a:rPr>
-                        </m:ctrlPr>
-                      </m:fPr>
-                      <m:num>
-                        <m:r>
-                          <a:rPr lang="en-US" sz="2400" b="1" i="1" smtClean="0">
-                            <a:latin typeface="Cambria Math" panose="02040503050406030204" pitchFamily="18" charset="0"/>
-                          </a:rPr>
-                          <m:t>𝒅</m:t>
-                        </m:r>
-                        <m:sSub>
-                          <m:sSubPr>
-                            <m:ctrlPr>
-                              <a:rPr lang="en-US" sz="2400" b="1" i="1" smtClean="0">
-                                <a:latin typeface="Cambria Math" panose="02040503050406030204" pitchFamily="18" charset="0"/>
-                              </a:rPr>
-                            </m:ctrlPr>
-                          </m:sSubPr>
-                          <m:e>
-                            <m:r>
-                              <a:rPr lang="en-US" sz="2400" b="1" i="1" smtClean="0">
-                                <a:latin typeface="Cambria Math" panose="02040503050406030204" pitchFamily="18" charset="0"/>
-                              </a:rPr>
-                              <m:t>𝑱</m:t>
-                            </m:r>
-                          </m:e>
-                          <m:sub>
-                            <m:r>
-                              <a:rPr lang="en-US" sz="2400" b="1" i="1" smtClean="0">
-                                <a:latin typeface="Cambria Math" panose="02040503050406030204" pitchFamily="18" charset="0"/>
-                              </a:rPr>
-                              <m:t>𝒛</m:t>
-                            </m:r>
-                          </m:sub>
-                        </m:sSub>
-                      </m:num>
-                      <m:den>
-                        <m:r>
-                          <a:rPr lang="en-US" sz="2400" b="1" i="1" smtClean="0">
-                            <a:latin typeface="Cambria Math" panose="02040503050406030204" pitchFamily="18" charset="0"/>
-                          </a:rPr>
-                          <m:t>𝒅𝒕</m:t>
-                        </m:r>
-                      </m:den>
-                    </m:f>
-                    <m:r>
-                      <a:rPr lang="en-US" sz="2400" b="1" i="1" smtClean="0">
-                        <a:latin typeface="Cambria Math" panose="02040503050406030204" pitchFamily="18" charset="0"/>
-                      </a:rPr>
-                      <m:t>=</m:t>
-                    </m:r>
-                    <m:r>
-                      <a:rPr lang="en-US" sz="2400" b="1" i="1" smtClean="0">
-                        <a:latin typeface="Cambria Math" panose="02040503050406030204" pitchFamily="18" charset="0"/>
-                      </a:rPr>
-                      <m:t>𝟎</m:t>
-                    </m:r>
-                    <m:r>
-                      <a:rPr lang="en-US" sz="2400" b="1" i="1" smtClean="0">
-                        <a:latin typeface="Cambria Math" panose="02040503050406030204" pitchFamily="18" charset="0"/>
-                      </a:rPr>
-                      <m:t>.</m:t>
-                    </m:r>
-                    <m:r>
-                      <a:rPr lang="en-US" sz="2400" b="1" i="1" smtClean="0">
-                        <a:latin typeface="Cambria Math" panose="02040503050406030204" pitchFamily="18" charset="0"/>
-                      </a:rPr>
-                      <m:t>𝟓</m:t>
-                    </m:r>
-                    <m:f>
-                      <m:fPr>
-                        <m:ctrlPr>
-                          <a:rPr lang="en-US" sz="2400" b="1" i="1" smtClean="0">
-                            <a:latin typeface="Cambria Math" panose="02040503050406030204" pitchFamily="18" charset="0"/>
-                          </a:rPr>
-                        </m:ctrlPr>
-                      </m:fPr>
-                      <m:num>
-                        <m:sSup>
-                          <m:sSupPr>
-                            <m:ctrlPr>
-                              <a:rPr lang="en-US" sz="2400" b="1" i="1" smtClean="0">
-                                <a:latin typeface="Cambria Math" panose="02040503050406030204" pitchFamily="18" charset="0"/>
-                              </a:rPr>
-                            </m:ctrlPr>
-                          </m:sSupPr>
-                          <m:e>
-                            <m:r>
-                              <a:rPr lang="en-US" sz="2400" b="1" i="1" smtClean="0">
-                                <a:latin typeface="Cambria Math" panose="02040503050406030204" pitchFamily="18" charset="0"/>
-                              </a:rPr>
-                              <m:t>𝒆</m:t>
-                            </m:r>
-                          </m:e>
-                          <m:sup>
-                            <m:r>
-                              <a:rPr lang="en-US" sz="2400" b="1" i="1" smtClean="0">
-                                <a:latin typeface="Cambria Math" panose="02040503050406030204" pitchFamily="18" charset="0"/>
-                              </a:rPr>
-                              <m:t>𝟐</m:t>
-                            </m:r>
-                          </m:sup>
-                        </m:sSup>
-                        <m:sSub>
-                          <m:sSubPr>
-                            <m:ctrlPr>
-                              <a:rPr lang="en-US" sz="2400" b="1" i="1" smtClean="0">
-                                <a:latin typeface="Cambria Math" panose="02040503050406030204" pitchFamily="18" charset="0"/>
-                              </a:rPr>
-                            </m:ctrlPr>
-                          </m:sSubPr>
-                          <m:e>
-                            <m:r>
-                              <a:rPr lang="en-US" sz="2400" b="1" i="1" smtClean="0">
-                                <a:latin typeface="Cambria Math" panose="02040503050406030204" pitchFamily="18" charset="0"/>
-                              </a:rPr>
-                              <m:t>𝒏</m:t>
-                            </m:r>
-                          </m:e>
-                          <m:sub>
-                            <m:r>
-                              <a:rPr lang="en-US" sz="2400" b="1" i="1" smtClean="0">
-                                <a:latin typeface="Cambria Math" panose="02040503050406030204" pitchFamily="18" charset="0"/>
-                              </a:rPr>
-                              <m:t>𝟎</m:t>
-                            </m:r>
-                          </m:sub>
-                        </m:sSub>
-                        <m:sSub>
-                          <m:sSubPr>
-                            <m:ctrlPr>
-                              <a:rPr lang="en-US" sz="2400" b="1" i="1" smtClean="0">
-                                <a:latin typeface="Cambria Math" panose="02040503050406030204" pitchFamily="18" charset="0"/>
-                              </a:rPr>
-                            </m:ctrlPr>
-                          </m:sSubPr>
-                          <m:e>
-                            <m:r>
-                              <a:rPr lang="en-US" sz="2400" b="1" i="1" smtClean="0">
-                                <a:latin typeface="Cambria Math" panose="02040503050406030204" pitchFamily="18" charset="0"/>
-                              </a:rPr>
-                              <m:t>𝑬</m:t>
-                            </m:r>
-                          </m:e>
-                          <m:sub>
-                            <m:r>
-                              <a:rPr lang="en-US" sz="2400" b="1" i="1" smtClean="0">
-                                <a:latin typeface="Cambria Math" panose="02040503050406030204" pitchFamily="18" charset="0"/>
-                              </a:rPr>
-                              <m:t>𝒆𝒙𝒕</m:t>
-                            </m:r>
-                          </m:sub>
-                        </m:sSub>
-                      </m:num>
-                      <m:den>
-                        <m:sSub>
-                          <m:sSubPr>
-                            <m:ctrlPr>
-                              <a:rPr lang="en-US" sz="2400" b="1" i="1" smtClean="0">
-                                <a:latin typeface="Cambria Math" panose="02040503050406030204" pitchFamily="18" charset="0"/>
-                              </a:rPr>
-                            </m:ctrlPr>
-                          </m:sSubPr>
-                          <m:e>
-                            <m:r>
-                              <a:rPr lang="en-US" sz="2400" b="1" i="1" smtClean="0">
-                                <a:latin typeface="Cambria Math" panose="02040503050406030204" pitchFamily="18" charset="0"/>
-                              </a:rPr>
-                              <m:t>𝒎</m:t>
-                            </m:r>
-                          </m:e>
-                          <m:sub>
-                            <m:r>
-                              <a:rPr lang="en-US" sz="2400" b="1" i="1" smtClean="0">
-                                <a:latin typeface="Cambria Math" panose="02040503050406030204" pitchFamily="18" charset="0"/>
-                              </a:rPr>
-                              <m:t>𝒆</m:t>
-                            </m:r>
-                          </m:sub>
-                        </m:sSub>
-                      </m:den>
-                    </m:f>
-                  </m:oMath>
-                </a14:m>
-                <a:r>
-                  <a:rPr lang="en-US" sz="2400" b="1" dirty="0"/>
-                  <a:t>x</a:t>
-                </a:r>
-              </a:p>
-            </p:txBody>
-          </p:sp>
-        </mc:Choice>
-        <mc:Fallback>
-          <p:sp>
-            <p:nvSpPr>
-              <p:cNvPr id="12" name="TextBox 11">
-                <a:extLst>
-                  <a:ext uri="{FF2B5EF4-FFF2-40B4-BE49-F238E27FC236}">
-                    <a16:creationId xmlns:a16="http://schemas.microsoft.com/office/drawing/2014/main" id="{6A737122-90E0-4C45-9F2E-DC93A04B2E88}"/>
-                  </a:ext>
-                </a:extLst>
-              </p:cNvPr>
-              <p:cNvSpPr txBox="1">
-                <a:spLocks noRot="1" noChangeAspect="1" noMove="1" noResize="1" noEditPoints="1" noAdjustHandles="1" noChangeArrowheads="1" noChangeShapeType="1" noTextEdit="1"/>
-              </p:cNvSpPr>
-              <p:nvPr/>
-            </p:nvSpPr>
-            <p:spPr>
-              <a:xfrm>
-                <a:off x="3190300" y="3906105"/>
-                <a:ext cx="2368982" cy="634148"/>
-              </a:xfrm>
-              <a:prstGeom prst="rect">
-                <a:avLst/>
-              </a:prstGeom>
-              <a:blipFill>
-                <a:blip r:embed="rId5"/>
-                <a:stretch>
-                  <a:fillRect l="-3743" r="-6952" b="-9804"/>
-                </a:stretch>
-              </a:blipFill>
-            </p:spPr>
-            <p:txBody>
-              <a:bodyPr/>
-              <a:lstStyle/>
-              <a:p>
-                <a:r>
-                  <a:rPr lang="en-US">
-                    <a:noFill/>
-                  </a:rPr>
-                  <a:t> </a:t>
-                </a:r>
-              </a:p>
-            </p:txBody>
-          </p:sp>
-        </mc:Fallback>
-      </mc:AlternateContent>
-      <mc:AlternateContent xmlns:mc="http://schemas.openxmlformats.org/markup-compatibility/2006" xmlns:a14="http://schemas.microsoft.com/office/drawing/2010/main">
-        <mc:Choice Requires="a14">
-          <p:sp>
-            <p:nvSpPr>
-              <p:cNvPr id="14" name="TextBox 13">
-                <a:extLst>
-                  <a:ext uri="{FF2B5EF4-FFF2-40B4-BE49-F238E27FC236}">
-                    <a16:creationId xmlns:a16="http://schemas.microsoft.com/office/drawing/2014/main" id="{4397105A-A95E-4CDA-978F-77E07F237133}"/>
-                  </a:ext>
-                </a:extLst>
-              </p:cNvPr>
-              <p:cNvSpPr txBox="1"/>
-              <p:nvPr/>
-            </p:nvSpPr>
-            <p:spPr>
-              <a:xfrm>
-                <a:off x="5015419" y="2946465"/>
-                <a:ext cx="2684196" cy="812723"/>
-              </a:xfrm>
-              <a:prstGeom prst="rect">
-                <a:avLst/>
-              </a:prstGeom>
-              <a:noFill/>
-            </p:spPr>
-            <p:txBody>
-              <a:bodyPr wrap="none" lIns="0" tIns="0" rIns="0" bIns="0" rtlCol="0">
-                <a:spAutoFit/>
-              </a:bodyPr>
-              <a:lstStyle/>
-              <a:p>
-                <a:pPr/>
-                <a14:m>
-                  <m:oMathPara xmlns:m="http://schemas.openxmlformats.org/officeDocument/2006/math">
-                    <m:oMathParaPr>
-                      <m:jc m:val="centerGroup"/>
-                    </m:oMathParaPr>
-                    <m:oMath xmlns:m="http://schemas.openxmlformats.org/officeDocument/2006/math">
-                      <m:f>
-                        <m:fPr>
-                          <m:ctrlPr>
-                            <a:rPr lang="en-US" sz="2400" b="1" i="1" smtClean="0">
-                              <a:latin typeface="Cambria Math" panose="02040503050406030204" pitchFamily="18" charset="0"/>
-                            </a:rPr>
-                          </m:ctrlPr>
-                        </m:fPr>
-                        <m:num>
-                          <m:r>
-                            <a:rPr lang="en-US" sz="2400" b="1" i="1" smtClean="0">
-                              <a:latin typeface="Cambria Math" panose="02040503050406030204" pitchFamily="18" charset="0"/>
-                            </a:rPr>
-                            <m:t>𝒅</m:t>
-                          </m:r>
-                          <m:sSub>
-                            <m:sSubPr>
-                              <m:ctrlPr>
-                                <a:rPr lang="en-US" sz="2400" b="1" i="1" smtClean="0">
-                                  <a:latin typeface="Cambria Math" panose="02040503050406030204" pitchFamily="18" charset="0"/>
-                                </a:rPr>
-                              </m:ctrlPr>
-                            </m:sSubPr>
-                            <m:e>
-                              <m:r>
-                                <a:rPr lang="en-US" sz="2400" b="1" i="1" smtClean="0">
-                                  <a:latin typeface="Cambria Math" panose="02040503050406030204" pitchFamily="18" charset="0"/>
-                                </a:rPr>
-                                <m:t>𝑱</m:t>
-                              </m:r>
-                            </m:e>
-                            <m:sub>
-                              <m:r>
-                                <a:rPr lang="en-US" sz="2400" b="1" i="1" smtClean="0">
-                                  <a:latin typeface="Cambria Math" panose="02040503050406030204" pitchFamily="18" charset="0"/>
-                                </a:rPr>
-                                <m:t>𝒛</m:t>
-                              </m:r>
-                            </m:sub>
-                          </m:sSub>
-                        </m:num>
-                        <m:den>
-                          <m:r>
-                            <a:rPr lang="en-US" sz="2400" b="1" i="1" smtClean="0">
-                              <a:latin typeface="Cambria Math" panose="02040503050406030204" pitchFamily="18" charset="0"/>
-                            </a:rPr>
-                            <m:t>𝒅𝒕</m:t>
-                          </m:r>
-                        </m:den>
-                      </m:f>
-                      <m:r>
-                        <a:rPr lang="en-US" sz="2400" b="1" i="1" smtClean="0">
-                          <a:latin typeface="Cambria Math" panose="02040503050406030204" pitchFamily="18" charset="0"/>
-                        </a:rPr>
-                        <m:t>=</m:t>
-                      </m:r>
-                      <m:r>
-                        <a:rPr lang="en-US" sz="2400" b="1" i="1" smtClean="0">
-                          <a:latin typeface="Cambria Math" panose="02040503050406030204" pitchFamily="18" charset="0"/>
-                        </a:rPr>
-                        <m:t>𝟎</m:t>
-                      </m:r>
-                      <m:r>
-                        <a:rPr lang="en-US" sz="2400" b="1" i="1" smtClean="0">
-                          <a:latin typeface="Cambria Math" panose="02040503050406030204" pitchFamily="18" charset="0"/>
-                        </a:rPr>
-                        <m:t>.</m:t>
-                      </m:r>
-                      <m:r>
-                        <a:rPr lang="en-US" altLang="zh-CN" sz="2400" b="1" i="1" smtClean="0">
-                          <a:latin typeface="Cambria Math" panose="02040503050406030204" pitchFamily="18" charset="0"/>
-                        </a:rPr>
-                        <m:t>𝟗</m:t>
-                      </m:r>
-                      <m:f>
-                        <m:fPr>
-                          <m:ctrlPr>
-                            <a:rPr lang="en-US" sz="2400" b="1" i="1" smtClean="0">
-                              <a:latin typeface="Cambria Math" panose="02040503050406030204" pitchFamily="18" charset="0"/>
-                            </a:rPr>
-                          </m:ctrlPr>
-                        </m:fPr>
-                        <m:num>
-                          <m:sSup>
-                            <m:sSupPr>
-                              <m:ctrlPr>
-                                <a:rPr lang="en-US" sz="2400" b="1" i="1" smtClean="0">
-                                  <a:latin typeface="Cambria Math" panose="02040503050406030204" pitchFamily="18" charset="0"/>
-                                </a:rPr>
-                              </m:ctrlPr>
-                            </m:sSupPr>
-                            <m:e>
-                              <m:r>
-                                <a:rPr lang="en-US" sz="2400" b="1" i="1" smtClean="0">
-                                  <a:latin typeface="Cambria Math" panose="02040503050406030204" pitchFamily="18" charset="0"/>
-                                </a:rPr>
-                                <m:t>𝒆</m:t>
-                              </m:r>
-                            </m:e>
-                            <m:sup>
-                              <m:r>
-                                <a:rPr lang="en-US" sz="2400" b="1" i="1" smtClean="0">
-                                  <a:latin typeface="Cambria Math" panose="02040503050406030204" pitchFamily="18" charset="0"/>
-                                </a:rPr>
-                                <m:t>𝟐</m:t>
-                              </m:r>
-                            </m:sup>
-                          </m:sSup>
-                          <m:sSub>
-                            <m:sSubPr>
-                              <m:ctrlPr>
-                                <a:rPr lang="en-US" sz="2400" b="1" i="1" smtClean="0">
-                                  <a:latin typeface="Cambria Math" panose="02040503050406030204" pitchFamily="18" charset="0"/>
-                                </a:rPr>
-                              </m:ctrlPr>
-                            </m:sSubPr>
-                            <m:e>
-                              <m:r>
-                                <a:rPr lang="en-US" sz="2400" b="1" i="1" smtClean="0">
-                                  <a:latin typeface="Cambria Math" panose="02040503050406030204" pitchFamily="18" charset="0"/>
-                                </a:rPr>
-                                <m:t>𝒏</m:t>
-                              </m:r>
-                            </m:e>
-                            <m:sub>
-                              <m:r>
-                                <a:rPr lang="en-US" sz="2400" b="1" i="1" smtClean="0">
-                                  <a:latin typeface="Cambria Math" panose="02040503050406030204" pitchFamily="18" charset="0"/>
-                                </a:rPr>
-                                <m:t>𝟎</m:t>
-                              </m:r>
-                            </m:sub>
-                          </m:sSub>
-                          <m:sSub>
-                            <m:sSubPr>
-                              <m:ctrlPr>
-                                <a:rPr lang="en-US" sz="2400" b="1" i="1" smtClean="0">
-                                  <a:latin typeface="Cambria Math" panose="02040503050406030204" pitchFamily="18" charset="0"/>
-                                </a:rPr>
-                              </m:ctrlPr>
-                            </m:sSubPr>
-                            <m:e>
-                              <m:r>
-                                <a:rPr lang="en-US" sz="2400" b="1" i="1" smtClean="0">
-                                  <a:latin typeface="Cambria Math" panose="02040503050406030204" pitchFamily="18" charset="0"/>
-                                </a:rPr>
-                                <m:t>𝑬</m:t>
-                              </m:r>
-                            </m:e>
-                            <m:sub>
-                              <m:r>
-                                <a:rPr lang="en-US" sz="2400" b="1" i="1" smtClean="0">
-                                  <a:latin typeface="Cambria Math" panose="02040503050406030204" pitchFamily="18" charset="0"/>
-                                </a:rPr>
-                                <m:t>𝒆𝒙𝒕</m:t>
-                              </m:r>
-                            </m:sub>
-                          </m:sSub>
-                        </m:num>
-                        <m:den>
-                          <m:sSub>
-                            <m:sSubPr>
-                              <m:ctrlPr>
-                                <a:rPr lang="en-US" sz="2400" b="1" i="1" smtClean="0">
-                                  <a:latin typeface="Cambria Math" panose="02040503050406030204" pitchFamily="18" charset="0"/>
-                                </a:rPr>
-                              </m:ctrlPr>
-                            </m:sSubPr>
-                            <m:e>
-                              <m:r>
-                                <a:rPr lang="en-US" sz="2400" b="1" i="1" smtClean="0">
-                                  <a:latin typeface="Cambria Math" panose="02040503050406030204" pitchFamily="18" charset="0"/>
-                                </a:rPr>
-                                <m:t>𝒎</m:t>
-                              </m:r>
-                            </m:e>
-                            <m:sub>
-                              <m:r>
-                                <a:rPr lang="en-US" sz="2400" b="1" i="1" smtClean="0">
-                                  <a:latin typeface="Cambria Math" panose="02040503050406030204" pitchFamily="18" charset="0"/>
-                                </a:rPr>
-                                <m:t>𝒆</m:t>
-                              </m:r>
-                            </m:sub>
-                          </m:sSub>
-                        </m:den>
-                      </m:f>
-                    </m:oMath>
-                  </m:oMathPara>
-                </a14:m>
-                <a:endParaRPr lang="en-US" sz="2400" b="1" dirty="0"/>
-              </a:p>
-            </p:txBody>
-          </p:sp>
-        </mc:Choice>
-        <mc:Fallback xmlns="">
-          <p:sp>
-            <p:nvSpPr>
-              <p:cNvPr id="14" name="TextBox 13">
-                <a:extLst>
-                  <a:ext uri="{FF2B5EF4-FFF2-40B4-BE49-F238E27FC236}">
-                    <a16:creationId xmlns:a16="http://schemas.microsoft.com/office/drawing/2014/main" id="{4397105A-A95E-4CDA-978F-77E07F237133}"/>
-                  </a:ext>
-                </a:extLst>
-              </p:cNvPr>
-              <p:cNvSpPr txBox="1">
-                <a:spLocks noRot="1" noChangeAspect="1" noMove="1" noResize="1" noEditPoints="1" noAdjustHandles="1" noChangeArrowheads="1" noChangeShapeType="1" noTextEdit="1"/>
-              </p:cNvSpPr>
-              <p:nvPr/>
-            </p:nvSpPr>
-            <p:spPr>
-              <a:xfrm>
-                <a:off x="5015419" y="2946465"/>
-                <a:ext cx="2684196" cy="812723"/>
-              </a:xfrm>
-              <a:prstGeom prst="rect">
-                <a:avLst/>
-              </a:prstGeom>
-              <a:blipFill>
-                <a:blip r:embed="rId6"/>
-                <a:stretch>
-                  <a:fillRect l="-2830" b="-4545"/>
-                </a:stretch>
-              </a:blipFill>
-            </p:spPr>
-            <p:txBody>
-              <a:bodyPr/>
-              <a:lstStyle/>
-              <a:p>
-                <a:r>
-                  <a:rPr lang="en-US">
-                    <a:noFill/>
-                  </a:rPr>
-                  <a:t> </a:t>
-                </a:r>
-              </a:p>
-            </p:txBody>
-          </p:sp>
-        </mc:Fallback>
-      </mc:AlternateContent>
-      <p:sp>
-        <p:nvSpPr>
-          <p:cNvPr id="15" name="TextBox 14">
-            <a:extLst>
-              <a:ext uri="{FF2B5EF4-FFF2-40B4-BE49-F238E27FC236}">
-                <a16:creationId xmlns:a16="http://schemas.microsoft.com/office/drawing/2014/main" id="{5AA93ACF-79AD-4FA1-9335-E3473C8B83EA}"/>
-              </a:ext>
-            </a:extLst>
-          </p:cNvPr>
-          <p:cNvSpPr txBox="1"/>
-          <p:nvPr/>
-        </p:nvSpPr>
-        <p:spPr>
-          <a:xfrm>
-            <a:off x="6843050" y="2003484"/>
-            <a:ext cx="1659813" cy="461665"/>
-          </a:xfrm>
-          <a:prstGeom prst="rect">
-            <a:avLst/>
-          </a:prstGeom>
-          <a:noFill/>
-        </p:spPr>
-        <p:txBody>
-          <a:bodyPr wrap="none" rtlCol="0">
-            <a:spAutoFit/>
-          </a:bodyPr>
-          <a:lstStyle/>
-          <a:p>
-            <a:pPr algn="ctr"/>
-            <a:r>
-              <a:rPr lang="en-US" sz="2400" b="1" dirty="0">
-                <a:latin typeface="Times New Roman" panose="02020603050405020304" pitchFamily="18" charset="0"/>
-                <a:cs typeface="Times New Roman" panose="02020603050405020304" pitchFamily="18" charset="0"/>
-              </a:rPr>
-              <a:t>EAW burst</a:t>
-            </a:r>
-          </a:p>
-        </p:txBody>
-      </p:sp>
-      <p:sp>
-        <p:nvSpPr>
-          <p:cNvPr id="18" name="Arrow: Down 17">
-            <a:extLst>
-              <a:ext uri="{FF2B5EF4-FFF2-40B4-BE49-F238E27FC236}">
-                <a16:creationId xmlns:a16="http://schemas.microsoft.com/office/drawing/2014/main" id="{5EEB02EE-6F88-4F14-803A-5AF5573503B7}"/>
-              </a:ext>
-            </a:extLst>
-          </p:cNvPr>
-          <p:cNvSpPr/>
-          <p:nvPr/>
-        </p:nvSpPr>
-        <p:spPr>
-          <a:xfrm rot="7738585">
-            <a:off x="6738974" y="1520747"/>
-            <a:ext cx="145877" cy="732386"/>
-          </a:xfrm>
-          <a:prstGeom prst="downArrow">
-            <a:avLst/>
-          </a:prstGeom>
-        </p:spPr>
-        <p:style>
-          <a:lnRef idx="2">
-            <a:schemeClr val="dk1">
-              <a:shade val="50000"/>
-            </a:schemeClr>
-          </a:lnRef>
-          <a:fillRef idx="1">
-            <a:schemeClr val="dk1"/>
-          </a:fillRef>
-          <a:effectRef idx="0">
-            <a:schemeClr val="dk1"/>
-          </a:effectRef>
-          <a:fontRef idx="minor">
-            <a:schemeClr val="lt1"/>
-          </a:fontRef>
-        </p:style>
-        <p:txBody>
-          <a:bodyPr rtlCol="0" anchor="ctr"/>
-          <a:lstStyle/>
-          <a:p>
-            <a:pPr algn="ctr"/>
-            <a:endParaRPr lang="en-US" dirty="0"/>
-          </a:p>
-        </p:txBody>
-      </p:sp>
-    </p:spTree>
-    <p:extLst>
-      <p:ext uri="{BB962C8B-B14F-4D97-AF65-F5344CB8AC3E}">
-        <p14:creationId xmlns:p14="http://schemas.microsoft.com/office/powerpoint/2010/main" val="3907291718"/>
       </p:ext>
     </p:extLst>
   </p:cSld>
